--- a/ppt/05-24.pptx
+++ b/ppt/05-24.pptx
@@ -8,6 +8,7 @@
     <p:sldId id="281" r:id="rId2"/>
     <p:sldId id="282" r:id="rId3"/>
     <p:sldId id="283" r:id="rId4"/>
+    <p:sldId id="284" r:id="rId5"/>
   </p:sldIdLst>
   <p:sldSz cx="12192000" cy="6858000"/>
   <p:notesSz cx="6858000" cy="9144000"/>
@@ -3943,6 +3944,169 @@
 </p:sld>
 </file>
 
+<file path=ppt/slides/slide4.xml><?xml version="1.0" encoding="utf-8"?>
+<p:sld xmlns:a="http://schemas.openxmlformats.org/drawingml/2006/main" xmlns:r="http://schemas.openxmlformats.org/officeDocument/2006/relationships" xmlns:p="http://schemas.openxmlformats.org/presentationml/2006/main">
+  <p:cSld>
+    <p:spTree>
+      <p:nvGrpSpPr>
+        <p:cNvPr id="1" name=""/>
+        <p:cNvGrpSpPr/>
+        <p:nvPr/>
+      </p:nvGrpSpPr>
+      <p:grpSpPr>
+        <a:xfrm>
+          <a:off x="0" y="0"/>
+          <a:ext cx="0" cy="0"/>
+          <a:chOff x="0" y="0"/>
+          <a:chExt cx="0" cy="0"/>
+        </a:xfrm>
+      </p:grpSpPr>
+      <p:sp>
+        <p:nvSpPr>
+          <p:cNvPr id="2" name="TextBox 1">
+            <a:extLst>
+              <a:ext uri="{FF2B5EF4-FFF2-40B4-BE49-F238E27FC236}">
+                <a16:creationId xmlns:a16="http://schemas.microsoft.com/office/drawing/2014/main" id="{B35CC9F4-688C-7A8A-DB21-ECB6CE0C04A9}"/>
+              </a:ext>
+            </a:extLst>
+          </p:cNvPr>
+          <p:cNvSpPr txBox="1"/>
+          <p:nvPr/>
+        </p:nvSpPr>
+        <p:spPr>
+          <a:xfrm>
+            <a:off x="299803" y="217357"/>
+            <a:ext cx="1872629" cy="369332"/>
+          </a:xfrm>
+          <a:prstGeom prst="rect">
+            <a:avLst/>
+          </a:prstGeom>
+          <a:noFill/>
+        </p:spPr>
+        <p:txBody>
+          <a:bodyPr wrap="none" rtlCol="0">
+            <a:spAutoFit/>
+          </a:bodyPr>
+          <a:lstStyle/>
+          <a:p>
+            <a:r>
+              <a:rPr lang="en-US" altLang="ko-KR" dirty="0"/>
+              <a:t>UI-SJN-40-102L</a:t>
+            </a:r>
+            <a:endParaRPr lang="ko-KR" altLang="en-US" dirty="0"/>
+          </a:p>
+        </p:txBody>
+      </p:sp>
+      <p:pic>
+        <p:nvPicPr>
+          <p:cNvPr id="10" name="그림 9"/>
+          <p:cNvPicPr>
+            <a:picLocks noChangeAspect="1"/>
+          </p:cNvPicPr>
+          <p:nvPr/>
+        </p:nvPicPr>
+        <p:blipFill>
+          <a:blip r:embed="rId2"/>
+          <a:stretch>
+            <a:fillRect/>
+          </a:stretch>
+        </p:blipFill>
+        <p:spPr>
+          <a:xfrm>
+            <a:off x="976753" y="876924"/>
+            <a:ext cx="3251896" cy="4849319"/>
+          </a:xfrm>
+          <a:prstGeom prst="rect">
+            <a:avLst/>
+          </a:prstGeom>
+        </p:spPr>
+      </p:pic>
+      <p:pic>
+        <p:nvPicPr>
+          <p:cNvPr id="12" name="그림 11"/>
+          <p:cNvPicPr>
+            <a:picLocks noChangeAspect="1"/>
+          </p:cNvPicPr>
+          <p:nvPr/>
+        </p:nvPicPr>
+        <p:blipFill>
+          <a:blip r:embed="rId3"/>
+          <a:stretch>
+            <a:fillRect/>
+          </a:stretch>
+        </p:blipFill>
+        <p:spPr>
+          <a:xfrm>
+            <a:off x="5637079" y="921895"/>
+            <a:ext cx="3397033" cy="4715713"/>
+          </a:xfrm>
+          <a:prstGeom prst="rect">
+            <a:avLst/>
+          </a:prstGeom>
+        </p:spPr>
+      </p:pic>
+      <p:sp>
+        <p:nvSpPr>
+          <p:cNvPr id="13" name="TextBox 12">
+            <a:extLst>
+              <a:ext uri="{FF2B5EF4-FFF2-40B4-BE49-F238E27FC236}">
+                <a16:creationId xmlns:a16="http://schemas.microsoft.com/office/drawing/2014/main" id="{E6A5BBED-30C6-CD4F-702F-E61C80201A7E}"/>
+              </a:ext>
+            </a:extLst>
+          </p:cNvPr>
+          <p:cNvSpPr txBox="1"/>
+          <p:nvPr/>
+        </p:nvSpPr>
+        <p:spPr>
+          <a:xfrm>
+            <a:off x="6258294" y="5908533"/>
+            <a:ext cx="2504212" cy="415498"/>
+          </a:xfrm>
+          <a:prstGeom prst="rect">
+            <a:avLst/>
+          </a:prstGeom>
+          <a:noFill/>
+        </p:spPr>
+        <p:txBody>
+          <a:bodyPr wrap="none" rtlCol="0">
+            <a:spAutoFit/>
+          </a:bodyPr>
+          <a:lstStyle/>
+          <a:p>
+            <a:pPr>
+              <a:lnSpc>
+                <a:spcPct val="150000"/>
+              </a:lnSpc>
+            </a:pPr>
+            <a:r>
+              <a:rPr lang="ko-KR" altLang="en-US" sz="1400" smtClean="0"/>
+              <a:t>위 </a:t>
+            </a:r>
+            <a:r>
+              <a:rPr lang="ko-KR" altLang="en-US" sz="1400" dirty="0" smtClean="0"/>
+              <a:t>디자인으로 수정했습니다</a:t>
+            </a:r>
+            <a:r>
+              <a:rPr lang="en-US" altLang="ko-KR" sz="1400" dirty="0" smtClean="0"/>
+              <a:t>.</a:t>
+            </a:r>
+            <a:endParaRPr lang="ko-KR" altLang="en-US" sz="1400" dirty="0"/>
+          </a:p>
+        </p:txBody>
+      </p:sp>
+    </p:spTree>
+    <p:extLst>
+      <p:ext uri="{BB962C8B-B14F-4D97-AF65-F5344CB8AC3E}">
+        <p14:creationId xmlns:p14="http://schemas.microsoft.com/office/powerpoint/2010/main" val="3728483158"/>
+      </p:ext>
+    </p:extLst>
+  </p:cSld>
+  <p:clrMapOvr>
+    <a:masterClrMapping/>
+  </p:clrMapOvr>
+</p:sld>
+</file>
+
 <file path=ppt/theme/theme1.xml><?xml version="1.0" encoding="utf-8"?>
 <a:theme xmlns:a="http://schemas.openxmlformats.org/drawingml/2006/main" name="Office 테마">
   <a:themeElements>

--- a/ppt/05-24.pptx
+++ b/ppt/05-24.pptx
@@ -3997,9 +3997,62 @@
           </a:p>
         </p:txBody>
       </p:sp>
+      <p:sp>
+        <p:nvSpPr>
+          <p:cNvPr id="13" name="TextBox 12">
+            <a:extLst>
+              <a:ext uri="{FF2B5EF4-FFF2-40B4-BE49-F238E27FC236}">
+                <a16:creationId xmlns:a16="http://schemas.microsoft.com/office/drawing/2014/main" id="{E6A5BBED-30C6-CD4F-702F-E61C80201A7E}"/>
+              </a:ext>
+            </a:extLst>
+          </p:cNvPr>
+          <p:cNvSpPr txBox="1"/>
+          <p:nvPr/>
+        </p:nvSpPr>
+        <p:spPr>
+          <a:xfrm>
+            <a:off x="5223973" y="2183477"/>
+            <a:ext cx="3167855" cy="415498"/>
+          </a:xfrm>
+          <a:prstGeom prst="rect">
+            <a:avLst/>
+          </a:prstGeom>
+          <a:noFill/>
+        </p:spPr>
+        <p:txBody>
+          <a:bodyPr wrap="none" rtlCol="0">
+            <a:spAutoFit/>
+          </a:bodyPr>
+          <a:lstStyle/>
+          <a:p>
+            <a:pPr>
+              <a:lnSpc>
+                <a:spcPct val="150000"/>
+              </a:lnSpc>
+            </a:pPr>
+            <a:r>
+              <a:rPr lang="ko-KR" altLang="en-US" sz="1400" dirty="0" smtClean="0"/>
+              <a:t>버스 </a:t>
+            </a:r>
+            <a:r>
+              <a:rPr lang="ko-KR" altLang="en-US" sz="1400" dirty="0" err="1" smtClean="0"/>
+              <a:t>위치값을</a:t>
+            </a:r>
+            <a:r>
+              <a:rPr lang="ko-KR" altLang="en-US" sz="1400" dirty="0" smtClean="0"/>
+              <a:t> 글자 위로 올렸습니다</a:t>
+            </a:r>
+            <a:r>
+              <a:rPr lang="en-US" altLang="ko-KR" sz="1400" dirty="0" smtClean="0"/>
+              <a:t>.</a:t>
+            </a:r>
+            <a:endParaRPr lang="ko-KR" altLang="en-US" sz="1400" dirty="0"/>
+          </a:p>
+        </p:txBody>
+      </p:sp>
       <p:pic>
         <p:nvPicPr>
-          <p:cNvPr id="10" name="그림 9"/>
+          <p:cNvPr id="3" name="그림 2"/>
           <p:cNvPicPr>
             <a:picLocks noChangeAspect="1"/>
           </p:cNvPicPr>
@@ -4013,87 +4066,14 @@
         </p:blipFill>
         <p:spPr>
           <a:xfrm>
-            <a:off x="976753" y="876924"/>
-            <a:ext cx="3251896" cy="4849319"/>
+            <a:off x="339458" y="850380"/>
+            <a:ext cx="4572638" cy="5591955"/>
           </a:xfrm>
           <a:prstGeom prst="rect">
             <a:avLst/>
           </a:prstGeom>
         </p:spPr>
       </p:pic>
-      <p:pic>
-        <p:nvPicPr>
-          <p:cNvPr id="12" name="그림 11"/>
-          <p:cNvPicPr>
-            <a:picLocks noChangeAspect="1"/>
-          </p:cNvPicPr>
-          <p:nvPr/>
-        </p:nvPicPr>
-        <p:blipFill>
-          <a:blip r:embed="rId3"/>
-          <a:stretch>
-            <a:fillRect/>
-          </a:stretch>
-        </p:blipFill>
-        <p:spPr>
-          <a:xfrm>
-            <a:off x="5637079" y="921895"/>
-            <a:ext cx="3397033" cy="4715713"/>
-          </a:xfrm>
-          <a:prstGeom prst="rect">
-            <a:avLst/>
-          </a:prstGeom>
-        </p:spPr>
-      </p:pic>
-      <p:sp>
-        <p:nvSpPr>
-          <p:cNvPr id="13" name="TextBox 12">
-            <a:extLst>
-              <a:ext uri="{FF2B5EF4-FFF2-40B4-BE49-F238E27FC236}">
-                <a16:creationId xmlns:a16="http://schemas.microsoft.com/office/drawing/2014/main" id="{E6A5BBED-30C6-CD4F-702F-E61C80201A7E}"/>
-              </a:ext>
-            </a:extLst>
-          </p:cNvPr>
-          <p:cNvSpPr txBox="1"/>
-          <p:nvPr/>
-        </p:nvSpPr>
-        <p:spPr>
-          <a:xfrm>
-            <a:off x="6258294" y="5908533"/>
-            <a:ext cx="2504212" cy="415498"/>
-          </a:xfrm>
-          <a:prstGeom prst="rect">
-            <a:avLst/>
-          </a:prstGeom>
-          <a:noFill/>
-        </p:spPr>
-        <p:txBody>
-          <a:bodyPr wrap="none" rtlCol="0">
-            <a:spAutoFit/>
-          </a:bodyPr>
-          <a:lstStyle/>
-          <a:p>
-            <a:pPr>
-              <a:lnSpc>
-                <a:spcPct val="150000"/>
-              </a:lnSpc>
-            </a:pPr>
-            <a:r>
-              <a:rPr lang="ko-KR" altLang="en-US" sz="1400" smtClean="0"/>
-              <a:t>위 </a:t>
-            </a:r>
-            <a:r>
-              <a:rPr lang="ko-KR" altLang="en-US" sz="1400" dirty="0" smtClean="0"/>
-              <a:t>디자인으로 수정했습니다</a:t>
-            </a:r>
-            <a:r>
-              <a:rPr lang="en-US" altLang="ko-KR" sz="1400" dirty="0" smtClean="0"/>
-              <a:t>.</a:t>
-            </a:r>
-            <a:endParaRPr lang="ko-KR" altLang="en-US" sz="1400" dirty="0"/>
-          </a:p>
-        </p:txBody>
-      </p:sp>
     </p:spTree>
     <p:extLst>
       <p:ext uri="{BB962C8B-B14F-4D97-AF65-F5344CB8AC3E}">
